--- a/2024-10-16/slides-pptx.pptx
+++ b/2024-10-16/slides-pptx.pptx
@@ -8,6 +8,7 @@
     <p:sldId id="256" r:id="rId2"/>
     <p:sldId id="257" r:id="rId3"/>
     <p:sldId id="258" r:id="rId4"/>
+    <p:sldId id="260" r:id="rId5"/>
   </p:sldIdLst>
   <p:sldSz cx="12192000" cy="6858000"/>
   <p:notesSz cx="6858000" cy="9144000"/>
@@ -263,7 +264,7 @@
           <a:p>
             <a:fld id="{CDFD01D6-9159-477C-9912-687ED326660B}" type="datetimeFigureOut">
               <a:rPr lang="en-ID" smtClean="0"/>
-              <a:t>15/10/2024</a:t>
+              <a:t>16/10/2024</a:t>
             </a:fld>
             <a:endParaRPr lang="en-ID"/>
           </a:p>
@@ -463,7 +464,7 @@
           <a:p>
             <a:fld id="{CDFD01D6-9159-477C-9912-687ED326660B}" type="datetimeFigureOut">
               <a:rPr lang="en-ID" smtClean="0"/>
-              <a:t>15/10/2024</a:t>
+              <a:t>16/10/2024</a:t>
             </a:fld>
             <a:endParaRPr lang="en-ID"/>
           </a:p>
@@ -673,7 +674,7 @@
           <a:p>
             <a:fld id="{CDFD01D6-9159-477C-9912-687ED326660B}" type="datetimeFigureOut">
               <a:rPr lang="en-ID" smtClean="0"/>
-              <a:t>15/10/2024</a:t>
+              <a:t>16/10/2024</a:t>
             </a:fld>
             <a:endParaRPr lang="en-ID"/>
           </a:p>
@@ -873,7 +874,7 @@
           <a:p>
             <a:fld id="{CDFD01D6-9159-477C-9912-687ED326660B}" type="datetimeFigureOut">
               <a:rPr lang="en-ID" smtClean="0"/>
-              <a:t>15/10/2024</a:t>
+              <a:t>16/10/2024</a:t>
             </a:fld>
             <a:endParaRPr lang="en-ID"/>
           </a:p>
@@ -1149,7 +1150,7 @@
           <a:p>
             <a:fld id="{CDFD01D6-9159-477C-9912-687ED326660B}" type="datetimeFigureOut">
               <a:rPr lang="en-ID" smtClean="0"/>
-              <a:t>15/10/2024</a:t>
+              <a:t>16/10/2024</a:t>
             </a:fld>
             <a:endParaRPr lang="en-ID"/>
           </a:p>
@@ -1417,7 +1418,7 @@
           <a:p>
             <a:fld id="{CDFD01D6-9159-477C-9912-687ED326660B}" type="datetimeFigureOut">
               <a:rPr lang="en-ID" smtClean="0"/>
-              <a:t>15/10/2024</a:t>
+              <a:t>16/10/2024</a:t>
             </a:fld>
             <a:endParaRPr lang="en-ID"/>
           </a:p>
@@ -1832,7 +1833,7 @@
           <a:p>
             <a:fld id="{CDFD01D6-9159-477C-9912-687ED326660B}" type="datetimeFigureOut">
               <a:rPr lang="en-ID" smtClean="0"/>
-              <a:t>15/10/2024</a:t>
+              <a:t>16/10/2024</a:t>
             </a:fld>
             <a:endParaRPr lang="en-ID"/>
           </a:p>
@@ -1974,7 +1975,7 @@
           <a:p>
             <a:fld id="{CDFD01D6-9159-477C-9912-687ED326660B}" type="datetimeFigureOut">
               <a:rPr lang="en-ID" smtClean="0"/>
-              <a:t>15/10/2024</a:t>
+              <a:t>16/10/2024</a:t>
             </a:fld>
             <a:endParaRPr lang="en-ID"/>
           </a:p>
@@ -2087,7 +2088,7 @@
           <a:p>
             <a:fld id="{CDFD01D6-9159-477C-9912-687ED326660B}" type="datetimeFigureOut">
               <a:rPr lang="en-ID" smtClean="0"/>
-              <a:t>15/10/2024</a:t>
+              <a:t>16/10/2024</a:t>
             </a:fld>
             <a:endParaRPr lang="en-ID"/>
           </a:p>
@@ -2400,7 +2401,7 @@
           <a:p>
             <a:fld id="{CDFD01D6-9159-477C-9912-687ED326660B}" type="datetimeFigureOut">
               <a:rPr lang="en-ID" smtClean="0"/>
-              <a:t>15/10/2024</a:t>
+              <a:t>16/10/2024</a:t>
             </a:fld>
             <a:endParaRPr lang="en-ID"/>
           </a:p>
@@ -2689,7 +2690,7 @@
           <a:p>
             <a:fld id="{CDFD01D6-9159-477C-9912-687ED326660B}" type="datetimeFigureOut">
               <a:rPr lang="en-ID" smtClean="0"/>
-              <a:t>15/10/2024</a:t>
+              <a:t>16/10/2024</a:t>
             </a:fld>
             <a:endParaRPr lang="en-ID"/>
           </a:p>
@@ -2932,7 +2933,7 @@
           <a:p>
             <a:fld id="{CDFD01D6-9159-477C-9912-687ED326660B}" type="datetimeFigureOut">
               <a:rPr lang="en-ID" smtClean="0"/>
-              <a:t>15/10/2024</a:t>
+              <a:t>16/10/2024</a:t>
             </a:fld>
             <a:endParaRPr lang="en-ID"/>
           </a:p>
@@ -3379,48 +3380,48 @@
           <a:p>
             <a:pPr algn="l"/>
             <a:r>
-              <a:rPr lang="en-US" sz="4800" dirty="0" err="1">
-                <a:latin typeface="Ubuntu Sans Light" pitchFamily="50" charset="0"/>
+              <a:rPr lang="en-US" sz="4800" b="1" dirty="0" err="1">
+                <a:latin typeface="Ubuntu Sans Light" pitchFamily="2" charset="0"/>
               </a:rPr>
               <a:t>Rekomendasi</a:t>
             </a:r>
             <a:r>
-              <a:rPr lang="en-US" sz="4800" dirty="0">
-                <a:latin typeface="Ubuntu Sans Light" pitchFamily="50" charset="0"/>
+              <a:rPr lang="en-US" sz="4800" b="1" dirty="0">
+                <a:latin typeface="Ubuntu Sans Light" pitchFamily="2" charset="0"/>
               </a:rPr>
               <a:t> </a:t>
             </a:r>
             <a:r>
-              <a:rPr lang="en-US" sz="4800" dirty="0" err="1">
-                <a:latin typeface="Ubuntu Sans Light" pitchFamily="50" charset="0"/>
+              <a:rPr lang="en-US" sz="4800" b="1" dirty="0" err="1">
+                <a:latin typeface="Ubuntu Sans Light" pitchFamily="2" charset="0"/>
               </a:rPr>
               <a:t>Statistik</a:t>
             </a:r>
             <a:r>
-              <a:rPr lang="en-US" sz="4800" dirty="0">
-                <a:latin typeface="Ubuntu Sans Light" pitchFamily="50" charset="0"/>
-              </a:rPr>
-              <a:t> &amp; </a:t>
+              <a:rPr lang="en-US" sz="4800" b="1" dirty="0">
+                <a:latin typeface="Ubuntu Sans Light" pitchFamily="2" charset="0"/>
+              </a:rPr>
+              <a:t> &amp;</a:t>
             </a:r>
             <a:br>
-              <a:rPr lang="en-US" sz="4800" dirty="0">
-                <a:latin typeface="Ubuntu Sans Light" pitchFamily="50" charset="0"/>
+              <a:rPr lang="en-US" sz="4800" b="1" dirty="0">
+                <a:latin typeface="Ubuntu Sans Light" pitchFamily="2" charset="0"/>
               </a:rPr>
             </a:br>
             <a:r>
-              <a:rPr lang="en-US" sz="4800" dirty="0">
-                <a:latin typeface="Ubuntu Sans Light" pitchFamily="50" charset="0"/>
+              <a:rPr lang="en-US" sz="4800" b="1" dirty="0">
+                <a:latin typeface="Ubuntu Sans Light" pitchFamily="2" charset="0"/>
               </a:rPr>
               <a:t>Metadata </a:t>
             </a:r>
             <a:r>
-              <a:rPr lang="en-US" sz="4800" dirty="0" err="1">
-                <a:latin typeface="Ubuntu Sans Light" pitchFamily="50" charset="0"/>
-              </a:rPr>
-              <a:t>Kegiatan</a:t>
-            </a:r>
-            <a:endParaRPr lang="en-US" sz="4800" dirty="0">
-              <a:latin typeface="Ubuntu Sans Light" pitchFamily="50" charset="0"/>
+              <a:rPr lang="en-US" sz="4800" b="1" dirty="0" err="1">
+                <a:latin typeface="Ubuntu Sans Light" pitchFamily="2" charset="0"/>
+              </a:rPr>
+              <a:t>Statistik</a:t>
+            </a:r>
+            <a:endParaRPr lang="en-US" sz="4800" b="1" dirty="0">
+              <a:latin typeface="Ubuntu Sans Light" pitchFamily="2" charset="0"/>
             </a:endParaRPr>
           </a:p>
         </p:txBody>
@@ -3439,7 +3440,7 @@
         </p:nvSpPr>
         <p:spPr>
           <a:xfrm>
-            <a:off x="426076" y="3219718"/>
+            <a:off x="426076" y="3244334"/>
             <a:ext cx="2651975" cy="369332"/>
           </a:xfrm>
           <a:prstGeom prst="rect">
@@ -3485,8 +3486,8 @@
         </p:nvSpPr>
         <p:spPr>
           <a:xfrm>
-            <a:off x="553791" y="5396111"/>
-            <a:ext cx="3000777" cy="369332"/>
+            <a:off x="426076" y="5324394"/>
+            <a:ext cx="4029383" cy="400110"/>
           </a:xfrm>
           <a:prstGeom prst="rect">
             <a:avLst/>
@@ -3500,42 +3501,42 @@
           <a:lstStyle/>
           <a:p>
             <a:r>
-              <a:rPr lang="en-US" dirty="0" err="1">
+              <a:rPr lang="en-US" sz="2000" dirty="0" err="1">
                 <a:latin typeface="Ubuntu Sans" pitchFamily="50" charset="0"/>
               </a:rPr>
               <a:t>Wihelmus</a:t>
             </a:r>
             <a:r>
-              <a:rPr lang="en-US" dirty="0">
+              <a:rPr lang="en-US" sz="2000" dirty="0">
                 <a:latin typeface="Ubuntu Sans" pitchFamily="50" charset="0"/>
               </a:rPr>
               <a:t> </a:t>
             </a:r>
             <a:r>
-              <a:rPr lang="en-US" dirty="0" err="1">
+              <a:rPr lang="en-US" sz="2000" dirty="0" err="1">
                 <a:latin typeface="Ubuntu Sans" pitchFamily="50" charset="0"/>
               </a:rPr>
               <a:t>Wedo</a:t>
             </a:r>
             <a:r>
-              <a:rPr lang="en-US" dirty="0">
+              <a:rPr lang="en-US" sz="2000" dirty="0">
                 <a:latin typeface="Ubuntu Sans" pitchFamily="50" charset="0"/>
               </a:rPr>
               <a:t>, </a:t>
             </a:r>
             <a:r>
-              <a:rPr lang="en-US" dirty="0" err="1">
+              <a:rPr lang="en-US" sz="2000" dirty="0" err="1">
                 <a:latin typeface="Ubuntu Sans" pitchFamily="50" charset="0"/>
               </a:rPr>
               <a:t>S.Tr.Stat</a:t>
             </a:r>
             <a:r>
-              <a:rPr lang="en-US" dirty="0">
+              <a:rPr lang="en-US" sz="2000" dirty="0">
                 <a:latin typeface="Ubuntu Sans" pitchFamily="50" charset="0"/>
               </a:rPr>
               <a:t>.</a:t>
             </a:r>
-            <a:endParaRPr lang="en-ID" dirty="0">
+            <a:endParaRPr lang="en-ID" sz="2000" dirty="0">
               <a:latin typeface="Ubuntu Sans" pitchFamily="50" charset="0"/>
             </a:endParaRPr>
           </a:p>
@@ -3555,8 +3556,8 @@
         </p:nvSpPr>
         <p:spPr>
           <a:xfrm>
-            <a:off x="553791" y="5765443"/>
-            <a:ext cx="7031865" cy="369332"/>
+            <a:off x="426076" y="5786441"/>
+            <a:ext cx="7031865" cy="400110"/>
           </a:xfrm>
           <a:prstGeom prst="rect">
             <a:avLst/>
@@ -3570,43 +3571,43 @@
           <a:lstStyle/>
           <a:p>
             <a:r>
-              <a:rPr lang="en-US" dirty="0" err="1">
-                <a:latin typeface="Ubuntu Sans" pitchFamily="50" charset="0"/>
+              <a:rPr lang="en-US" sz="2000" dirty="0" err="1">
+                <a:latin typeface="Ubuntu Sans" pitchFamily="2" charset="0"/>
               </a:rPr>
               <a:t>Statistisi</a:t>
             </a:r>
             <a:r>
-              <a:rPr lang="en-US" dirty="0">
-                <a:latin typeface="Ubuntu Sans" pitchFamily="50" charset="0"/>
+              <a:rPr lang="en-US" sz="2000" dirty="0">
+                <a:latin typeface="Ubuntu Sans" pitchFamily="2" charset="0"/>
               </a:rPr>
               <a:t> Ahli </a:t>
             </a:r>
             <a:r>
-              <a:rPr lang="en-US" dirty="0" err="1">
-                <a:latin typeface="Ubuntu Sans" pitchFamily="50" charset="0"/>
+              <a:rPr lang="en-US" sz="2000" dirty="0" err="1">
+                <a:latin typeface="Ubuntu Sans" pitchFamily="2" charset="0"/>
               </a:rPr>
               <a:t>Pertama</a:t>
             </a:r>
             <a:r>
-              <a:rPr lang="en-US" dirty="0">
-                <a:latin typeface="Ubuntu Sans" pitchFamily="50" charset="0"/>
-              </a:rPr>
-              <a:t> , BPS </a:t>
-            </a:r>
-            <a:r>
-              <a:rPr lang="en-US" dirty="0" err="1">
-                <a:latin typeface="Ubuntu Sans" pitchFamily="50" charset="0"/>
+              <a:rPr lang="en-US" sz="2000" dirty="0">
+                <a:latin typeface="Ubuntu Sans" pitchFamily="2" charset="0"/>
+              </a:rPr>
+              <a:t>, BPS </a:t>
+            </a:r>
+            <a:r>
+              <a:rPr lang="en-US" sz="2000" dirty="0" err="1">
+                <a:latin typeface="Ubuntu Sans" pitchFamily="2" charset="0"/>
               </a:rPr>
               <a:t>Kabupaten</a:t>
             </a:r>
             <a:r>
-              <a:rPr lang="en-US" dirty="0">
-                <a:latin typeface="Ubuntu Sans" pitchFamily="50" charset="0"/>
+              <a:rPr lang="en-US" sz="2000" dirty="0">
+                <a:latin typeface="Ubuntu Sans" pitchFamily="2" charset="0"/>
               </a:rPr>
               <a:t> Sikka</a:t>
             </a:r>
-            <a:endParaRPr lang="en-ID" dirty="0">
-              <a:latin typeface="Ubuntu Sans" pitchFamily="50" charset="0"/>
+            <a:endParaRPr lang="en-ID" sz="2000" dirty="0">
+              <a:latin typeface="Ubuntu Sans" pitchFamily="2" charset="0"/>
             </a:endParaRPr>
           </a:p>
         </p:txBody>
@@ -3659,8 +3660,8 @@
         </p:nvSpPr>
         <p:spPr>
           <a:xfrm>
-            <a:off x="1524000" y="2826677"/>
-            <a:ext cx="9144000" cy="1204645"/>
+            <a:off x="0" y="2826677"/>
+            <a:ext cx="12192000" cy="1204645"/>
           </a:xfrm>
         </p:spPr>
         <p:txBody>
@@ -3669,23 +3670,25 @@
           <a:p>
             <a:r>
               <a:rPr lang="en-US" sz="6000" dirty="0" err="1">
-                <a:latin typeface="Ubuntu Sans Light" pitchFamily="50" charset="0"/>
+                <a:latin typeface="Ubuntu Sans Light" pitchFamily="2" charset="0"/>
               </a:rPr>
               <a:t>Rekomendasi</a:t>
             </a:r>
             <a:r>
               <a:rPr lang="en-US" sz="6000" dirty="0">
-                <a:latin typeface="Ubuntu Sans Light" pitchFamily="50" charset="0"/>
+                <a:latin typeface="Ubuntu Sans Light" pitchFamily="2" charset="0"/>
               </a:rPr>
               <a:t> </a:t>
             </a:r>
             <a:r>
               <a:rPr lang="en-US" sz="6000" dirty="0" err="1">
-                <a:latin typeface="Ubuntu Sans Light" pitchFamily="50" charset="0"/>
+                <a:latin typeface="Ubuntu Sans Light" pitchFamily="2" charset="0"/>
               </a:rPr>
               <a:t>Statistik</a:t>
             </a:r>
-            <a:endParaRPr lang="en-ID" dirty="0"/>
+            <a:endParaRPr lang="en-ID" dirty="0">
+              <a:latin typeface="Ubuntu Sans Light" pitchFamily="2" charset="0"/>
+            </a:endParaRPr>
           </a:p>
         </p:txBody>
       </p:sp>
@@ -3737,8 +3740,8 @@
         </p:nvSpPr>
         <p:spPr>
           <a:xfrm>
-            <a:off x="1524000" y="2949027"/>
-            <a:ext cx="9144000" cy="959946"/>
+            <a:off x="0" y="2949027"/>
+            <a:ext cx="12192000" cy="959946"/>
           </a:xfrm>
         </p:spPr>
         <p:txBody>
@@ -3746,14 +3749,20 @@
           <a:lstStyle/>
           <a:p>
             <a:r>
-              <a:rPr lang="en-US" dirty="0"/>
+              <a:rPr lang="en-US" dirty="0">
+                <a:latin typeface="Ubuntu Sans Light" pitchFamily="2" charset="0"/>
+              </a:rPr>
               <a:t>Metadata </a:t>
             </a:r>
             <a:r>
-              <a:rPr lang="en-US" dirty="0" err="1"/>
+              <a:rPr lang="en-US" dirty="0" err="1">
+                <a:latin typeface="Ubuntu Sans Light" pitchFamily="2" charset="0"/>
+              </a:rPr>
               <a:t>Statistik</a:t>
             </a:r>
-            <a:endParaRPr lang="en-ID" dirty="0"/>
+            <a:endParaRPr lang="en-ID" dirty="0">
+              <a:latin typeface="Ubuntu Sans Light" pitchFamily="2" charset="0"/>
+            </a:endParaRPr>
           </a:p>
         </p:txBody>
       </p:sp>
@@ -3761,6 +3770,348 @@
     <p:extLst>
       <p:ext uri="{BB962C8B-B14F-4D97-AF65-F5344CB8AC3E}">
         <p14:creationId xmlns:p14="http://schemas.microsoft.com/office/powerpoint/2010/main" val="799876640"/>
+      </p:ext>
+    </p:extLst>
+  </p:cSld>
+  <p:clrMapOvr>
+    <a:masterClrMapping/>
+  </p:clrMapOvr>
+</p:sld>
+</file>
+
+<file path=ppt/slides/slide4.xml><?xml version="1.0" encoding="utf-8"?>
+<p:sld xmlns:a="http://schemas.openxmlformats.org/drawingml/2006/main" xmlns:r="http://schemas.openxmlformats.org/officeDocument/2006/relationships" xmlns:p="http://schemas.openxmlformats.org/presentationml/2006/main">
+  <p:cSld>
+    <p:spTree>
+      <p:nvGrpSpPr>
+        <p:cNvPr id="1" name=""/>
+        <p:cNvGrpSpPr/>
+        <p:nvPr/>
+      </p:nvGrpSpPr>
+      <p:grpSpPr>
+        <a:xfrm>
+          <a:off x="0" y="0"/>
+          <a:ext cx="0" cy="0"/>
+          <a:chOff x="0" y="0"/>
+          <a:chExt cx="0" cy="0"/>
+        </a:xfrm>
+      </p:grpSpPr>
+      <p:sp>
+        <p:nvSpPr>
+          <p:cNvPr id="4" name="Title 1">
+            <a:extLst>
+              <a:ext uri="{FF2B5EF4-FFF2-40B4-BE49-F238E27FC236}">
+                <a16:creationId xmlns:a16="http://schemas.microsoft.com/office/drawing/2014/main" id="{BE1C95DA-3DC3-4EA2-B676-D7BF6DE4C517}"/>
+              </a:ext>
+            </a:extLst>
+          </p:cNvPr>
+          <p:cNvSpPr>
+            <a:spLocks noGrp="1"/>
+          </p:cNvSpPr>
+          <p:nvPr>
+            <p:ph type="ctrTitle"/>
+          </p:nvPr>
+        </p:nvSpPr>
+        <p:spPr>
+          <a:xfrm>
+            <a:off x="426076" y="702227"/>
+            <a:ext cx="10515600" cy="1784938"/>
+          </a:xfrm>
+        </p:spPr>
+        <p:txBody>
+          <a:bodyPr anchor="ctr" anchorCtr="0">
+            <a:normAutofit/>
+          </a:bodyPr>
+          <a:lstStyle/>
+          <a:p>
+            <a:pPr algn="l"/>
+            <a:r>
+              <a:rPr lang="en-US" sz="4800" b="1" dirty="0" err="1">
+                <a:latin typeface="Ubuntu Sans Light" pitchFamily="2" charset="0"/>
+              </a:rPr>
+              <a:t>Terima</a:t>
+            </a:r>
+            <a:r>
+              <a:rPr lang="en-US" sz="4800" b="1" dirty="0">
+                <a:latin typeface="Ubuntu Sans Light" pitchFamily="2" charset="0"/>
+              </a:rPr>
+              <a:t> Kasih</a:t>
+            </a:r>
+          </a:p>
+        </p:txBody>
+      </p:sp>
+      <p:sp>
+        <p:nvSpPr>
+          <p:cNvPr id="2" name="TextBox 1">
+            <a:extLst>
+              <a:ext uri="{FF2B5EF4-FFF2-40B4-BE49-F238E27FC236}">
+                <a16:creationId xmlns:a16="http://schemas.microsoft.com/office/drawing/2014/main" id="{722289D3-E2DE-B19B-76FC-F90A2F050533}"/>
+              </a:ext>
+            </a:extLst>
+          </p:cNvPr>
+          <p:cNvSpPr txBox="1"/>
+          <p:nvPr/>
+        </p:nvSpPr>
+        <p:spPr>
+          <a:xfrm>
+            <a:off x="426076" y="2127590"/>
+            <a:ext cx="9798423" cy="1077218"/>
+          </a:xfrm>
+          <a:prstGeom prst="rect">
+            <a:avLst/>
+          </a:prstGeom>
+          <a:noFill/>
+        </p:spPr>
+        <p:txBody>
+          <a:bodyPr wrap="square" rtlCol="0">
+            <a:spAutoFit/>
+          </a:bodyPr>
+          <a:lstStyle/>
+          <a:p>
+            <a:r>
+              <a:rPr lang="en-ID" sz="3200" dirty="0" err="1">
+                <a:latin typeface="Ubuntu Sans" pitchFamily="2" charset="0"/>
+              </a:rPr>
+              <a:t>Silahkan</a:t>
+            </a:r>
+            <a:r>
+              <a:rPr lang="en-ID" sz="3200" dirty="0">
+                <a:latin typeface="Ubuntu Sans" pitchFamily="2" charset="0"/>
+              </a:rPr>
+              <a:t> </a:t>
+            </a:r>
+            <a:r>
+              <a:rPr lang="en-ID" sz="3200" dirty="0" err="1">
+                <a:latin typeface="Ubuntu Sans" pitchFamily="2" charset="0"/>
+              </a:rPr>
+              <a:t>melakukan</a:t>
+            </a:r>
+            <a:r>
+              <a:rPr lang="en-ID" sz="3200" dirty="0">
+                <a:latin typeface="Ubuntu Sans" pitchFamily="2" charset="0"/>
+              </a:rPr>
+              <a:t> </a:t>
+            </a:r>
+            <a:r>
+              <a:rPr lang="en-ID" sz="3200" dirty="0" err="1">
+                <a:latin typeface="Ubuntu Sans" pitchFamily="2" charset="0"/>
+              </a:rPr>
+              <a:t>pengisian</a:t>
+            </a:r>
+            <a:r>
+              <a:rPr lang="en-ID" sz="3200" dirty="0">
+                <a:latin typeface="Ubuntu Sans" pitchFamily="2" charset="0"/>
+              </a:rPr>
+              <a:t> </a:t>
+            </a:r>
+            <a:r>
+              <a:rPr lang="en-ID" sz="3200" dirty="0" err="1">
+                <a:latin typeface="Ubuntu Sans" pitchFamily="2" charset="0"/>
+              </a:rPr>
+              <a:t>formulir</a:t>
+            </a:r>
+            <a:r>
+              <a:rPr lang="en-ID" sz="3200" dirty="0">
+                <a:latin typeface="Ubuntu Sans" pitchFamily="2" charset="0"/>
+              </a:rPr>
+              <a:t>/</a:t>
+            </a:r>
+            <a:r>
+              <a:rPr lang="en-ID" sz="3200" dirty="0" err="1">
+                <a:latin typeface="Ubuntu Sans" pitchFamily="2" charset="0"/>
+              </a:rPr>
+              <a:t>kuesioner</a:t>
+            </a:r>
+            <a:r>
+              <a:rPr lang="en-ID" sz="3200" dirty="0">
+                <a:latin typeface="Ubuntu Sans" pitchFamily="2" charset="0"/>
+              </a:rPr>
+              <a:t> metadata dan </a:t>
+            </a:r>
+            <a:r>
+              <a:rPr lang="en-ID" sz="3200" dirty="0" err="1">
+                <a:latin typeface="Ubuntu Sans" pitchFamily="2" charset="0"/>
+              </a:rPr>
+              <a:t>rekomendasi</a:t>
+            </a:r>
+            <a:r>
+              <a:rPr lang="en-ID" sz="3200" dirty="0">
+                <a:latin typeface="Ubuntu Sans" pitchFamily="2" charset="0"/>
+              </a:rPr>
+              <a:t> </a:t>
+            </a:r>
+            <a:r>
+              <a:rPr lang="en-ID" sz="3200" dirty="0" err="1">
+                <a:latin typeface="Ubuntu Sans" pitchFamily="2" charset="0"/>
+              </a:rPr>
+              <a:t>statistik</a:t>
+            </a:r>
+            <a:endParaRPr lang="en-ID" sz="3200" dirty="0">
+              <a:latin typeface="Ubuntu Sans" pitchFamily="2" charset="0"/>
+            </a:endParaRPr>
+          </a:p>
+        </p:txBody>
+      </p:sp>
+      <p:sp>
+        <p:nvSpPr>
+          <p:cNvPr id="3" name="TextBox 2">
+            <a:extLst>
+              <a:ext uri="{FF2B5EF4-FFF2-40B4-BE49-F238E27FC236}">
+                <a16:creationId xmlns:a16="http://schemas.microsoft.com/office/drawing/2014/main" id="{EF8A6168-2CC3-5CCB-FEDD-360E635D7B38}"/>
+              </a:ext>
+            </a:extLst>
+          </p:cNvPr>
+          <p:cNvSpPr txBox="1"/>
+          <p:nvPr/>
+        </p:nvSpPr>
+        <p:spPr>
+          <a:xfrm>
+            <a:off x="426076" y="3922451"/>
+            <a:ext cx="9964018" cy="2246769"/>
+          </a:xfrm>
+          <a:prstGeom prst="rect">
+            <a:avLst/>
+          </a:prstGeom>
+          <a:noFill/>
+        </p:spPr>
+        <p:txBody>
+          <a:bodyPr wrap="square" rtlCol="0">
+            <a:spAutoFit/>
+          </a:bodyPr>
+          <a:lstStyle/>
+          <a:p>
+            <a:r>
+              <a:rPr lang="en-ID" sz="2800" dirty="0" err="1">
+                <a:latin typeface="Ubuntu Sans" pitchFamily="2" charset="0"/>
+              </a:rPr>
+              <a:t>Lebih</a:t>
+            </a:r>
+            <a:r>
+              <a:rPr lang="en-ID" sz="2800" dirty="0">
+                <a:latin typeface="Ubuntu Sans" pitchFamily="2" charset="0"/>
+              </a:rPr>
+              <a:t> </a:t>
+            </a:r>
+            <a:r>
+              <a:rPr lang="en-ID" sz="2800" dirty="0" err="1">
+                <a:latin typeface="Ubuntu Sans" pitchFamily="2" charset="0"/>
+              </a:rPr>
+              <a:t>lanjut</a:t>
+            </a:r>
+            <a:r>
+              <a:rPr lang="en-ID" sz="2800" dirty="0">
+                <a:latin typeface="Ubuntu Sans" pitchFamily="2" charset="0"/>
+              </a:rPr>
+              <a:t> </a:t>
+            </a:r>
+            <a:r>
+              <a:rPr lang="en-ID" sz="2800" dirty="0" err="1">
+                <a:latin typeface="Ubuntu Sans" pitchFamily="2" charset="0"/>
+              </a:rPr>
+              <a:t>mengenal</a:t>
+            </a:r>
+            <a:r>
+              <a:rPr lang="en-ID" sz="2800" dirty="0">
+                <a:latin typeface="Ubuntu Sans" pitchFamily="2" charset="0"/>
+              </a:rPr>
+              <a:t> </a:t>
+            </a:r>
+            <a:r>
+              <a:rPr lang="en-ID" sz="2800" dirty="0" err="1">
+                <a:latin typeface="Ubuntu Sans" pitchFamily="2" charset="0"/>
+              </a:rPr>
+              <a:t>rekomendasi</a:t>
+            </a:r>
+            <a:r>
+              <a:rPr lang="en-ID" sz="2800" dirty="0">
+                <a:latin typeface="Ubuntu Sans" pitchFamily="2" charset="0"/>
+              </a:rPr>
+              <a:t> </a:t>
+            </a:r>
+            <a:r>
+              <a:rPr lang="en-ID" sz="2800" dirty="0" err="1">
+                <a:latin typeface="Ubuntu Sans" pitchFamily="2" charset="0"/>
+              </a:rPr>
+              <a:t>statistik</a:t>
+            </a:r>
+            <a:endParaRPr lang="en-ID" sz="2800" dirty="0">
+              <a:latin typeface="Ubuntu Sans" pitchFamily="2" charset="0"/>
+            </a:endParaRPr>
+          </a:p>
+          <a:p>
+            <a:r>
+              <a:rPr lang="en-ID" sz="2800" b="1" dirty="0">
+                <a:latin typeface="Ubuntu Sans" pitchFamily="2" charset="0"/>
+              </a:rPr>
+              <a:t>romantik.web.bps.go.id/panduan</a:t>
+            </a:r>
+          </a:p>
+          <a:p>
+            <a:endParaRPr lang="en-ID" sz="2800" dirty="0">
+              <a:latin typeface="Ubuntu Sans" pitchFamily="2" charset="0"/>
+            </a:endParaRPr>
+          </a:p>
+          <a:p>
+            <a:r>
+              <a:rPr lang="en-ID" sz="2800" dirty="0" err="1">
+                <a:latin typeface="Ubuntu Sans" pitchFamily="2" charset="0"/>
+              </a:rPr>
+              <a:t>Lebih</a:t>
+            </a:r>
+            <a:r>
+              <a:rPr lang="en-ID" sz="2800" dirty="0">
+                <a:latin typeface="Ubuntu Sans" pitchFamily="2" charset="0"/>
+              </a:rPr>
+              <a:t> </a:t>
+            </a:r>
+            <a:r>
+              <a:rPr lang="en-ID" sz="2800" dirty="0" err="1">
+                <a:latin typeface="Ubuntu Sans" pitchFamily="2" charset="0"/>
+              </a:rPr>
+              <a:t>lanjut</a:t>
+            </a:r>
+            <a:r>
+              <a:rPr lang="en-ID" sz="2800" dirty="0">
+                <a:latin typeface="Ubuntu Sans" pitchFamily="2" charset="0"/>
+              </a:rPr>
+              <a:t> </a:t>
+            </a:r>
+            <a:r>
+              <a:rPr lang="en-ID" sz="2800" dirty="0" err="1">
+                <a:latin typeface="Ubuntu Sans" pitchFamily="2" charset="0"/>
+              </a:rPr>
+              <a:t>mengenal</a:t>
+            </a:r>
+            <a:r>
+              <a:rPr lang="en-ID" sz="2800" dirty="0">
+                <a:latin typeface="Ubuntu Sans" pitchFamily="2" charset="0"/>
+              </a:rPr>
+              <a:t> metadata </a:t>
+            </a:r>
+            <a:r>
+              <a:rPr lang="en-ID" sz="2800" dirty="0" err="1">
+                <a:latin typeface="Ubuntu Sans" pitchFamily="2" charset="0"/>
+              </a:rPr>
+              <a:t>statistik</a:t>
+            </a:r>
+            <a:endParaRPr lang="en-ID" sz="2800" dirty="0">
+              <a:latin typeface="Ubuntu Sans" pitchFamily="2" charset="0"/>
+            </a:endParaRPr>
+          </a:p>
+          <a:p>
+            <a:r>
+              <a:rPr lang="en-ID" sz="2800" b="1" dirty="0">
+                <a:latin typeface="Ubuntu Sans" pitchFamily="2" charset="0"/>
+              </a:rPr>
+              <a:t>sirusa.web.bps.go.id/metadata/site/index</a:t>
+            </a:r>
+          </a:p>
+        </p:txBody>
+      </p:sp>
+    </p:spTree>
+    <p:extLst>
+      <p:ext uri="{BB962C8B-B14F-4D97-AF65-F5344CB8AC3E}">
+        <p14:creationId xmlns:p14="http://schemas.microsoft.com/office/powerpoint/2010/main" val="700283124"/>
       </p:ext>
     </p:extLst>
   </p:cSld>
